--- a/Sorting Techniques PPT.pptx
+++ b/Sorting Techniques PPT.pptx
@@ -24291,8 +24291,8 @@
         </p:nvSpPr>
         <p:spPr>
           <a:xfrm>
-            <a:off x="781878" y="2490796"/>
-            <a:ext cx="4572000" cy="312650"/>
+            <a:off x="781877" y="2490796"/>
+            <a:ext cx="7202557" cy="645754"/>
           </a:xfrm>
           <a:prstGeom prst="rect">
             <a:avLst/>
@@ -24324,6 +24324,28 @@
                 <a:cs typeface="Times New Roman" panose="02020603050405020304" pitchFamily="18" charset="0"/>
               </a:rPr>
               <a:t>Presentation</a:t>
+            </a:r>
+          </a:p>
+          <a:p>
+            <a:pPr marL="0" marR="0">
+              <a:lnSpc>
+                <a:spcPct val="107000"/>
+              </a:lnSpc>
+              <a:spcBef>
+                <a:spcPts val="0"/>
+              </a:spcBef>
+              <a:spcAft>
+                <a:spcPts val="800"/>
+              </a:spcAft>
+            </a:pPr>
+            <a:r>
+              <a:rPr lang="en-US" sz="1400" dirty="0">
+                <a:effectLst/>
+                <a:latin typeface="Calibri" panose="020F0502020204030204" pitchFamily="34" charset="0"/>
+                <a:ea typeface="Calibri" panose="020F0502020204030204" pitchFamily="34" charset="0"/>
+                <a:cs typeface="Times New Roman" panose="02020603050405020304" pitchFamily="18" charset="0"/>
+              </a:rPr>
+              <a:t>https://github.com/DaaProject04/DSA_Project/blob/main/Sorting%20Techniques%20PPT.pptx</a:t>
             </a:r>
           </a:p>
         </p:txBody>
